--- a/presentations/GIAIC_02-Introduction to Flow Control And Code Blocks.pptx
+++ b/presentations/GIAIC_02-Introduction to Flow Control And Code Blocks.pptx
@@ -20,21 +20,24 @@
     <p:sldId id="268" r:id="rId14"/>
     <p:sldId id="269" r:id="rId15"/>
     <p:sldId id="270" r:id="rId16"/>
-    <p:sldId id="271" r:id="rId17"/>
-    <p:sldId id="272" r:id="rId18"/>
-    <p:sldId id="273" r:id="rId19"/>
-    <p:sldId id="274" r:id="rId20"/>
-    <p:sldId id="275" r:id="rId21"/>
-    <p:sldId id="276" r:id="rId22"/>
-    <p:sldId id="277" r:id="rId23"/>
-    <p:sldId id="278" r:id="rId24"/>
-    <p:sldId id="279" r:id="rId25"/>
-    <p:sldId id="280" r:id="rId26"/>
-    <p:sldId id="281" r:id="rId27"/>
-    <p:sldId id="282" r:id="rId28"/>
-    <p:sldId id="283" r:id="rId29"/>
-    <p:sldId id="284" r:id="rId30"/>
-    <p:sldId id="286" r:id="rId31"/>
+    <p:sldId id="287" r:id="rId17"/>
+    <p:sldId id="288" r:id="rId18"/>
+    <p:sldId id="289" r:id="rId19"/>
+    <p:sldId id="271" r:id="rId20"/>
+    <p:sldId id="272" r:id="rId21"/>
+    <p:sldId id="273" r:id="rId22"/>
+    <p:sldId id="274" r:id="rId23"/>
+    <p:sldId id="275" r:id="rId24"/>
+    <p:sldId id="276" r:id="rId25"/>
+    <p:sldId id="277" r:id="rId26"/>
+    <p:sldId id="278" r:id="rId27"/>
+    <p:sldId id="279" r:id="rId28"/>
+    <p:sldId id="280" r:id="rId29"/>
+    <p:sldId id="281" r:id="rId30"/>
+    <p:sldId id="282" r:id="rId31"/>
+    <p:sldId id="283" r:id="rId32"/>
+    <p:sldId id="284" r:id="rId33"/>
+    <p:sldId id="286" r:id="rId34"/>
   </p:sldIdLst>
   <p:sldSz cx="12192000" cy="6858000"/>
   <p:notesSz cx="6858000" cy="9144000"/>
@@ -13477,7 +13480,7 @@
           <a:p>
             <a:r>
               <a:rPr lang="en-US" dirty="0"/>
-              <a:t>How to design conditions in your program?</a:t>
+              <a:t>How to design conditions and Use Code Blocks in your program?</a:t>
             </a:r>
           </a:p>
         </p:txBody>
@@ -14687,7 +14690,7 @@
           <p:cNvPr id="2" name="Title 1">
             <a:extLst>
               <a:ext uri="{FF2B5EF4-FFF2-40B4-BE49-F238E27FC236}">
-                <a16:creationId xmlns:a16="http://schemas.microsoft.com/office/drawing/2014/main" id="{6F1829FB-2400-37D0-142E-B208CF926E31}"/>
+                <a16:creationId xmlns:a16="http://schemas.microsoft.com/office/drawing/2014/main" id="{B608E42E-7A56-4A6C-6594-AFC6B872AE79}"/>
               </a:ext>
             </a:extLst>
           </p:cNvPr>
@@ -14705,7 +14708,7 @@
           <a:p>
             <a:r>
               <a:rPr lang="en-US" dirty="0"/>
-              <a:t>Code Blocks and Scope of Variables</a:t>
+              <a:t>What is a Ternary Operator	?</a:t>
             </a:r>
           </a:p>
         </p:txBody>
@@ -14715,7 +14718,7 @@
           <p:cNvPr id="3" name="Content Placeholder 2">
             <a:extLst>
               <a:ext uri="{FF2B5EF4-FFF2-40B4-BE49-F238E27FC236}">
-                <a16:creationId xmlns:a16="http://schemas.microsoft.com/office/drawing/2014/main" id="{DF2DBCC2-B947-CC16-F27F-60E81556C19A}"/>
+                <a16:creationId xmlns:a16="http://schemas.microsoft.com/office/drawing/2014/main" id="{B52D077C-D71D-D309-02B9-DC898C09BCD4}"/>
               </a:ext>
             </a:extLst>
           </p:cNvPr>
@@ -14728,64 +14731,24 @@
         </p:nvSpPr>
         <p:spPr/>
         <p:txBody>
-          <a:bodyPr>
-            <a:normAutofit/>
-          </a:bodyPr>
+          <a:bodyPr/>
           <a:lstStyle/>
           <a:p>
-            <a:pPr algn="just"/>
             <a:r>
               <a:rPr lang="en-US" dirty="0"/>
-              <a:t>Code blocks are sections of code enclosed within curly braces ({}). They can be used to create a scope for variables, functions, or statements. For example:</a:t>
-            </a:r>
-          </a:p>
-          <a:p>
-            <a:pPr marL="400050" lvl="1" indent="0" algn="just">
+              <a:t>A ternary operator in TypeScript is a shorthand way of writing an if-else statement. It takes three operands: a condition, an expression to execute if the condition is true, and an expression to execute if the condition is false. The syntax of the ternary operator is:</a:t>
+            </a:r>
+          </a:p>
+          <a:p>
+            <a:pPr marL="0" indent="0">
               <a:buNone/>
             </a:pPr>
             <a:r>
               <a:rPr lang="en-US" dirty="0"/>
-              <a:t>{</a:t>
-            </a:r>
-          </a:p>
-          <a:p>
-            <a:pPr marL="400050" lvl="1" indent="0" algn="just">
-              <a:buNone/>
-            </a:pPr>
-            <a:r>
-              <a:rPr lang="en-US" dirty="0"/>
-              <a:t>  // This is a code block</a:t>
-            </a:r>
-          </a:p>
-          <a:p>
-            <a:pPr marL="400050" lvl="1" indent="0" algn="just">
-              <a:buNone/>
-            </a:pPr>
-            <a:r>
-              <a:rPr lang="en-US" dirty="0"/>
-              <a:t>  let x = 10; // This variable is scoped to this block</a:t>
-            </a:r>
-          </a:p>
-          <a:p>
-            <a:pPr marL="400050" lvl="1" indent="0" algn="just">
-              <a:buNone/>
-            </a:pPr>
-            <a:r>
-              <a:rPr lang="en-US" dirty="0"/>
-              <a:t>  console.log(x); // This statement is executed within this block</a:t>
-            </a:r>
-          </a:p>
-          <a:p>
-            <a:pPr marL="400050" lvl="1" indent="0" algn="just">
-              <a:buNone/>
-            </a:pPr>
-            <a:r>
-              <a:rPr lang="en-US" dirty="0"/>
-              <a:t>}</a:t>
-            </a:r>
-          </a:p>
-          <a:p>
-            <a:pPr algn="just"/>
+              <a:t>	“condition ? expression1 : expression2”</a:t>
+            </a:r>
+          </a:p>
+          <a:p>
             <a:endParaRPr lang="en-US" dirty="0"/>
           </a:p>
         </p:txBody>
@@ -14793,7 +14756,7 @@
     </p:spTree>
     <p:extLst>
       <p:ext uri="{BB962C8B-B14F-4D97-AF65-F5344CB8AC3E}">
-        <p14:creationId xmlns:p14="http://schemas.microsoft.com/office/powerpoint/2010/main" val="3791904621"/>
+        <p14:creationId xmlns:p14="http://schemas.microsoft.com/office/powerpoint/2010/main" val="3324794519"/>
       </p:ext>
     </p:extLst>
   </p:cSld>
@@ -14825,7 +14788,7 @@
           <p:cNvPr id="2" name="Title 1">
             <a:extLst>
               <a:ext uri="{FF2B5EF4-FFF2-40B4-BE49-F238E27FC236}">
-                <a16:creationId xmlns:a16="http://schemas.microsoft.com/office/drawing/2014/main" id="{88E68DDD-0321-4723-1F32-620FF8E0EE80}"/>
+                <a16:creationId xmlns:a16="http://schemas.microsoft.com/office/drawing/2014/main" id="{CFE7915D-5B21-4F7E-574D-393F17615738}"/>
               </a:ext>
             </a:extLst>
           </p:cNvPr>
@@ -14843,7 +14806,7 @@
           <a:p>
             <a:r>
               <a:rPr lang="en-US" dirty="0"/>
-              <a:t>Code Block and Scope of Variable</a:t>
+              <a:t>How Ternary Operator Works?</a:t>
             </a:r>
           </a:p>
         </p:txBody>
@@ -14853,7 +14816,7 @@
           <p:cNvPr id="3" name="Content Placeholder 2">
             <a:extLst>
               <a:ext uri="{FF2B5EF4-FFF2-40B4-BE49-F238E27FC236}">
-                <a16:creationId xmlns:a16="http://schemas.microsoft.com/office/drawing/2014/main" id="{CF94D46C-8217-D03E-FEC7-4742C9EC3906}"/>
+                <a16:creationId xmlns:a16="http://schemas.microsoft.com/office/drawing/2014/main" id="{653688EA-5198-0C9F-E040-9970DB1B75D1}"/>
               </a:ext>
             </a:extLst>
           </p:cNvPr>
@@ -14866,13 +14829,36 @@
         </p:nvSpPr>
         <p:spPr/>
         <p:txBody>
-          <a:bodyPr/>
+          <a:bodyPr>
+            <a:normAutofit fontScale="85000" lnSpcReduction="10000"/>
+          </a:bodyPr>
           <a:lstStyle/>
           <a:p>
             <a:pPr algn="just"/>
             <a:r>
               <a:rPr lang="en-US" dirty="0"/>
-              <a:t>Block scopes are the scopes created by code blocks. Variables declared within a block scope are only accessible within that block and any nested blocks. They are not accessible outside the block. </a:t>
+              <a:t>The ternary operator evaluates the condition and returns the value of expression1 if the condition is true, or the value of expression2 if the condition is false.</a:t>
+            </a:r>
+          </a:p>
+          <a:p>
+            <a:pPr algn="just"/>
+            <a:r>
+              <a:rPr lang="en-US" dirty="0"/>
+              <a:t>The ternary operator can be used to assign a value to a variable, return a value from a function, or perform a simple calculation based on a condition.</a:t>
+            </a:r>
+          </a:p>
+          <a:p>
+            <a:pPr algn="just"/>
+            <a:r>
+              <a:rPr lang="en-US" dirty="0"/>
+              <a:t>The ternary operator can be nested to create multiple conditions, but this can make the code less readable and maintainable. It is recommended to use parentheses to group the expressions and improve the readability.</a:t>
+            </a:r>
+          </a:p>
+          <a:p>
+            <a:pPr algn="just"/>
+            <a:r>
+              <a:rPr lang="en-US" dirty="0"/>
+              <a:t>The ternary operator can be combined with other operators, such as logical, arithmetic, or bitwise operators, to create complex expressions.</a:t>
             </a:r>
           </a:p>
         </p:txBody>
@@ -14880,7 +14866,7 @@
     </p:spTree>
     <p:extLst>
       <p:ext uri="{BB962C8B-B14F-4D97-AF65-F5344CB8AC3E}">
-        <p14:creationId xmlns:p14="http://schemas.microsoft.com/office/powerpoint/2010/main" val="2169033518"/>
+        <p14:creationId xmlns:p14="http://schemas.microsoft.com/office/powerpoint/2010/main" val="3304700312"/>
       </p:ext>
     </p:extLst>
   </p:cSld>
@@ -14909,10 +14895,10 @@
       </p:grpSpPr>
       <p:sp>
         <p:nvSpPr>
-          <p:cNvPr id="2" name="Title 1">
+          <p:cNvPr id="3" name="Content Placeholder 2">
             <a:extLst>
               <a:ext uri="{FF2B5EF4-FFF2-40B4-BE49-F238E27FC236}">
-                <a16:creationId xmlns:a16="http://schemas.microsoft.com/office/drawing/2014/main" id="{913DA3FD-E26E-52C0-49D8-846681C45879}"/>
+                <a16:creationId xmlns:a16="http://schemas.microsoft.com/office/drawing/2014/main" id="{1143E86A-8F57-7E20-45D4-AFFDA4609773}"/>
               </a:ext>
             </a:extLst>
           </p:cNvPr>
@@ -14920,41 +14906,18 @@
             <a:spLocks noGrp="1"/>
           </p:cNvSpPr>
           <p:nvPr>
-            <p:ph type="title"/>
+            <p:ph idx="4294967295"/>
           </p:nvPr>
         </p:nvSpPr>
-        <p:spPr/>
-        <p:txBody>
-          <a:bodyPr/>
-          <a:lstStyle/>
-          <a:p>
-            <a:r>
-              <a:rPr lang="en-US" dirty="0"/>
-              <a:t>Example for Variable scope within Code Blocks and Nested Code Blocks</a:t>
-            </a:r>
-          </a:p>
-        </p:txBody>
-      </p:sp>
-      <p:sp>
-        <p:nvSpPr>
-          <p:cNvPr id="3" name="Content Placeholder 2">
-            <a:extLst>
-              <a:ext uri="{FF2B5EF4-FFF2-40B4-BE49-F238E27FC236}">
-                <a16:creationId xmlns:a16="http://schemas.microsoft.com/office/drawing/2014/main" id="{A653C9C1-E1B0-D02E-C544-06701D516BC1}"/>
-              </a:ext>
-            </a:extLst>
-          </p:cNvPr>
-          <p:cNvSpPr>
-            <a:spLocks noGrp="1"/>
-          </p:cNvSpPr>
-          <p:nvPr>
-            <p:ph idx="1"/>
-          </p:nvPr>
-        </p:nvSpPr>
-        <p:spPr/>
+        <p:spPr>
+          <a:xfrm>
+            <a:off x="103366" y="0"/>
+            <a:ext cx="11465782" cy="6718852"/>
+          </a:xfrm>
+        </p:spPr>
         <p:txBody>
           <a:bodyPr>
-            <a:normAutofit fontScale="55000" lnSpcReduction="20000"/>
+            <a:normAutofit fontScale="70000" lnSpcReduction="20000"/>
           </a:bodyPr>
           <a:lstStyle/>
           <a:p>
@@ -14962,8 +14925,8 @@
               <a:buNone/>
             </a:pPr>
             <a:r>
-              <a:rPr lang="en-US" dirty="0"/>
-              <a:t>{</a:t>
+              <a:rPr lang="en-US" sz="1900" dirty="0"/>
+              <a:t>// Assign a value to a variable based on a condition</a:t>
             </a:r>
           </a:p>
           <a:p>
@@ -14971,8 +14934,8 @@
               <a:buNone/>
             </a:pPr>
             <a:r>
-              <a:rPr lang="en-US" dirty="0"/>
-              <a:t>  // This is a block scope</a:t>
+              <a:rPr lang="en-US" sz="1900" dirty="0"/>
+              <a:t>let x: number = 10;</a:t>
             </a:r>
           </a:p>
           <a:p>
@@ -14980,8 +14943,8 @@
               <a:buNone/>
             </a:pPr>
             <a:r>
-              <a:rPr lang="en-US" dirty="0"/>
-              <a:t>  let x = 10; // This variable is scoped to this block</a:t>
+              <a:rPr lang="en-US" sz="1900" dirty="0"/>
+              <a:t>let y: string = x &gt; 0 ? "Positive" : "Negative or zero";</a:t>
             </a:r>
           </a:p>
           <a:p>
@@ -14989,8 +14952,8 @@
               <a:buNone/>
             </a:pPr>
             <a:r>
-              <a:rPr lang="en-US" dirty="0"/>
-              <a:t>  {</a:t>
+              <a:rPr lang="en-US" sz="1900" dirty="0"/>
+              <a:t>console.log(y); // Output: Positive</a:t>
             </a:r>
           </a:p>
           <a:p>
@@ -14998,8 +14961,16 @@
               <a:buNone/>
             </a:pPr>
             <a:r>
-              <a:rPr lang="en-US" dirty="0"/>
-              <a:t>    // This is a nested block scope</a:t>
+              <a:rPr lang="en-US" sz="1900" dirty="0"/>
+              <a:t>console.log(</a:t>
+            </a:r>
+            <a:r>
+              <a:rPr lang="en-US" sz="1900" dirty="0" err="1"/>
+              <a:t>isEven</a:t>
+            </a:r>
+            <a:r>
+              <a:rPr lang="en-US" sz="1900" dirty="0"/>
+              <a:t>(4)); // Output: true</a:t>
             </a:r>
           </a:p>
           <a:p>
@@ -15007,8 +14978,16 @@
               <a:buNone/>
             </a:pPr>
             <a:r>
-              <a:rPr lang="en-US" dirty="0"/>
-              <a:t>    let y = 20; // This variable is scoped to this nested block</a:t>
+              <a:rPr lang="en-US" sz="1900" dirty="0"/>
+              <a:t>console.log(</a:t>
+            </a:r>
+            <a:r>
+              <a:rPr lang="en-US" sz="1900" dirty="0" err="1"/>
+              <a:t>isEven</a:t>
+            </a:r>
+            <a:r>
+              <a:rPr lang="en-US" sz="1900" dirty="0"/>
+              <a:t>(5)); // Output: false</a:t>
             </a:r>
           </a:p>
           <a:p>
@@ -15016,8 +14995,8 @@
               <a:buNone/>
             </a:pPr>
             <a:r>
-              <a:rPr lang="en-US" dirty="0"/>
-              <a:t>    console.log(x); // This can access x from the outer block</a:t>
+              <a:rPr lang="en-US" sz="1900" dirty="0"/>
+              <a:t>// Perform a simple calculation based on a condition</a:t>
             </a:r>
           </a:p>
           <a:p>
@@ -15025,8 +15004,8 @@
               <a:buNone/>
             </a:pPr>
             <a:r>
-              <a:rPr lang="en-US" dirty="0"/>
-              <a:t>    console.log(y); // This can access y from the current block</a:t>
+              <a:rPr lang="en-US" sz="1900" dirty="0"/>
+              <a:t>let a: number = 5;</a:t>
             </a:r>
           </a:p>
           <a:p>
@@ -15034,8 +15013,8 @@
               <a:buNone/>
             </a:pPr>
             <a:r>
-              <a:rPr lang="en-US" dirty="0"/>
-              <a:t>  }</a:t>
+              <a:rPr lang="en-US" sz="1900" dirty="0"/>
+              <a:t>let b: number = 10;</a:t>
             </a:r>
           </a:p>
           <a:p>
@@ -15043,8 +15022,8 @@
               <a:buNone/>
             </a:pPr>
             <a:r>
-              <a:rPr lang="en-US" dirty="0"/>
-              <a:t>  console.log(x); // This can still access x from the current block</a:t>
+              <a:rPr lang="en-US" sz="1900" dirty="0"/>
+              <a:t>let c: number = a &gt; b ? a - b : b - a;</a:t>
             </a:r>
           </a:p>
           <a:p>
@@ -15052,8 +15031,8 @@
               <a:buNone/>
             </a:pPr>
             <a:r>
-              <a:rPr lang="en-US" dirty="0"/>
-              <a:t>  console.log(y); // This cannot access y from the nested block</a:t>
+              <a:rPr lang="en-US" sz="1900" dirty="0"/>
+              <a:t>console.log(c); // Output: 5</a:t>
             </a:r>
           </a:p>
           <a:p>
@@ -15061,8 +15040,8 @@
               <a:buNone/>
             </a:pPr>
             <a:r>
-              <a:rPr lang="en-US" dirty="0"/>
-              <a:t>}</a:t>
+              <a:rPr lang="en-US" sz="1900" dirty="0"/>
+              <a:t>// Nest the ternary operator to create multiple conditions</a:t>
             </a:r>
           </a:p>
           <a:p>
@@ -15070,8 +15049,8 @@
               <a:buNone/>
             </a:pPr>
             <a:r>
-              <a:rPr lang="en-US" dirty="0"/>
-              <a:t>console.log(x); // This cannot access x from the block scope</a:t>
+              <a:rPr lang="en-US" sz="1900" dirty="0"/>
+              <a:t>let score: number = 85;</a:t>
             </a:r>
           </a:p>
           <a:p>
@@ -15079,19 +15058,100 @@
               <a:buNone/>
             </a:pPr>
             <a:r>
-              <a:rPr lang="en-US" dirty="0"/>
-              <a:t>console.log(y); // This cannot access y from the block scope</a:t>
-            </a:r>
-          </a:p>
-          <a:p>
-            <a:endParaRPr lang="en-US" dirty="0"/>
+              <a:rPr lang="en-US" sz="1900" dirty="0"/>
+              <a:t>let grade: string = score &gt;= 90 ? "A" : score &gt;= 80 ? "B" : score &gt;= 70 ? "C" : score &gt;= 60 ? "D" : "F";</a:t>
+            </a:r>
+          </a:p>
+          <a:p>
+            <a:pPr marL="0" indent="0">
+              <a:buNone/>
+            </a:pPr>
+            <a:r>
+              <a:rPr lang="en-US" sz="1900" dirty="0"/>
+              <a:t>console.log(grade); // Output: B</a:t>
+            </a:r>
+          </a:p>
+          <a:p>
+            <a:pPr marL="0" indent="0">
+              <a:buNone/>
+            </a:pPr>
+            <a:r>
+              <a:rPr lang="en-US" sz="1900" dirty="0"/>
+              <a:t>// Use parentheses to group the expressions and improve the readability</a:t>
+            </a:r>
+          </a:p>
+          <a:p>
+            <a:pPr marL="0" indent="0">
+              <a:buNone/>
+            </a:pPr>
+            <a:r>
+              <a:rPr lang="en-US" sz="1900" dirty="0"/>
+              <a:t>let grade: string = score &gt;= 90 ? "A" : (score &gt;= 80 ? "B" : (score &gt;= 70 ? "C" : (score &gt;= 60 ? "D" : "F")));</a:t>
+            </a:r>
+          </a:p>
+          <a:p>
+            <a:pPr marL="0" indent="0">
+              <a:buNone/>
+            </a:pPr>
+            <a:r>
+              <a:rPr lang="en-US" sz="1900" dirty="0"/>
+              <a:t>console.log(grade); // Output: B</a:t>
+            </a:r>
+          </a:p>
+          <a:p>
+            <a:pPr marL="0" indent="0">
+              <a:buNone/>
+            </a:pPr>
+            <a:r>
+              <a:rPr lang="en-US" sz="1900" dirty="0"/>
+              <a:t>// Combine the ternary operator with other operators</a:t>
+            </a:r>
+          </a:p>
+          <a:p>
+            <a:pPr marL="0" indent="0">
+              <a:buNone/>
+            </a:pPr>
+            <a:r>
+              <a:rPr lang="en-US" sz="1900" dirty="0"/>
+              <a:t>let d: number = 2;</a:t>
+            </a:r>
+          </a:p>
+          <a:p>
+            <a:pPr marL="0" indent="0">
+              <a:buNone/>
+            </a:pPr>
+            <a:r>
+              <a:rPr lang="en-US" sz="1900" dirty="0"/>
+              <a:t>let e: number = 3;</a:t>
+            </a:r>
+          </a:p>
+          <a:p>
+            <a:pPr marL="0" indent="0">
+              <a:buNone/>
+            </a:pPr>
+            <a:r>
+              <a:rPr lang="en-US" sz="1900" dirty="0"/>
+              <a:t>let f: number = d &gt; e ? d * e : d + e;</a:t>
+            </a:r>
+          </a:p>
+          <a:p>
+            <a:pPr marL="0" indent="0">
+              <a:buNone/>
+            </a:pPr>
+            <a:r>
+              <a:rPr lang="en-US" sz="1900" dirty="0"/>
+              <a:t>console.log(f); // Output: 5</a:t>
+            </a:r>
+          </a:p>
+          <a:p>
+            <a:endParaRPr lang="en-US" sz="900" dirty="0"/>
           </a:p>
         </p:txBody>
       </p:sp>
     </p:spTree>
     <p:extLst>
       <p:ext uri="{BB962C8B-B14F-4D97-AF65-F5344CB8AC3E}">
-        <p14:creationId xmlns:p14="http://schemas.microsoft.com/office/powerpoint/2010/main" val="1014990620"/>
+        <p14:creationId xmlns:p14="http://schemas.microsoft.com/office/powerpoint/2010/main" val="1579757579"/>
       </p:ext>
     </p:extLst>
   </p:cSld>
@@ -15123,7 +15183,7 @@
           <p:cNvPr id="2" name="Title 1">
             <a:extLst>
               <a:ext uri="{FF2B5EF4-FFF2-40B4-BE49-F238E27FC236}">
-                <a16:creationId xmlns:a16="http://schemas.microsoft.com/office/drawing/2014/main" id="{E14514BF-94EF-9E70-F438-08CF7792F59C}"/>
+                <a16:creationId xmlns:a16="http://schemas.microsoft.com/office/drawing/2014/main" id="{6F1829FB-2400-37D0-142E-B208CF926E31}"/>
               </a:ext>
             </a:extLst>
           </p:cNvPr>
@@ -15141,7 +15201,7 @@
           <a:p>
             <a:r>
               <a:rPr lang="en-US" dirty="0"/>
-              <a:t>What is the difference between LET,CONST, and VAR</a:t>
+              <a:t>Code Blocks and Scope of Variables</a:t>
             </a:r>
           </a:p>
         </p:txBody>
@@ -15151,7 +15211,7 @@
           <p:cNvPr id="3" name="Content Placeholder 2">
             <a:extLst>
               <a:ext uri="{FF2B5EF4-FFF2-40B4-BE49-F238E27FC236}">
-                <a16:creationId xmlns:a16="http://schemas.microsoft.com/office/drawing/2014/main" id="{24F14CD8-1634-0C4A-5BEE-1C35F49F8C98}"/>
+                <a16:creationId xmlns:a16="http://schemas.microsoft.com/office/drawing/2014/main" id="{DF2DBCC2-B947-CC16-F27F-60E81556C19A}"/>
               </a:ext>
             </a:extLst>
           </p:cNvPr>
@@ -15165,51 +15225,71 @@
         <p:spPr/>
         <p:txBody>
           <a:bodyPr>
-            <a:normAutofit fontScale="85000" lnSpcReduction="20000"/>
+            <a:normAutofit/>
           </a:bodyPr>
           <a:lstStyle/>
           <a:p>
+            <a:pPr algn="just"/>
             <a:r>
               <a:rPr lang="en-US" dirty="0"/>
-              <a:t>The difference between let, const, and var in TypeScript is based on their scope, reassignment, and hoisting behavior.</a:t>
-            </a:r>
-          </a:p>
-          <a:p>
+              <a:t>Code blocks are sections of code enclosed within curly braces ({}). They can be used to create a scope for variables, functions, or statements. For example:</a:t>
+            </a:r>
+          </a:p>
+          <a:p>
+            <a:pPr marL="400050" lvl="1" indent="0" algn="just">
+              <a:buNone/>
+            </a:pPr>
             <a:r>
               <a:rPr lang="en-US" dirty="0"/>
-              <a:t>var: is function-scoped or global-scoped, which means it can be accessed within the function or the whole window where it is declared.</a:t>
-            </a:r>
-          </a:p>
-          <a:p>
+              <a:t>{</a:t>
+            </a:r>
+          </a:p>
+          <a:p>
+            <a:pPr marL="400050" lvl="1" indent="0" algn="just">
+              <a:buNone/>
+            </a:pPr>
             <a:r>
               <a:rPr lang="en-US" dirty="0"/>
-              <a:t>let and const: are block-scoped, which means they can only be accessed within the block (such as a loop or an if statement) where they are declared.</a:t>
-            </a:r>
-          </a:p>
-          <a:p>
+              <a:t>  // This is a code block</a:t>
+            </a:r>
+          </a:p>
+          <a:p>
+            <a:pPr marL="400050" lvl="1" indent="0" algn="just">
+              <a:buNone/>
+            </a:pPr>
             <a:r>
               <a:rPr lang="en-US" dirty="0"/>
-              <a:t>Reassignment: This refers to whether the variables can be changed or reassigned after their declaration.</a:t>
-            </a:r>
-          </a:p>
-          <a:p>
+              <a:t>  let x = 10; // This variable is scoped to this block</a:t>
+            </a:r>
+          </a:p>
+          <a:p>
+            <a:pPr marL="400050" lvl="1" indent="0" algn="just">
+              <a:buNone/>
+            </a:pPr>
             <a:r>
               <a:rPr lang="en-US" dirty="0"/>
-              <a:t>var and let can be reassigned, which means their values can be changed or updated.</a:t>
-            </a:r>
-          </a:p>
-          <a:p>
+              <a:t>  console.log(x); // This statement is executed within this block</a:t>
+            </a:r>
+          </a:p>
+          <a:p>
+            <a:pPr marL="400050" lvl="1" indent="0" algn="just">
+              <a:buNone/>
+            </a:pPr>
             <a:r>
               <a:rPr lang="en-US" dirty="0"/>
-              <a:t>const cannot be reassigned, which means its value is fixed and cannot be changed.</a:t>
-            </a:r>
+              <a:t>}</a:t>
+            </a:r>
+          </a:p>
+          <a:p>
+            <a:pPr algn="just"/>
+            <a:endParaRPr lang="en-US" dirty="0"/>
           </a:p>
         </p:txBody>
       </p:sp>
     </p:spTree>
     <p:extLst>
       <p:ext uri="{BB962C8B-B14F-4D97-AF65-F5344CB8AC3E}">
-        <p14:creationId xmlns:p14="http://schemas.microsoft.com/office/powerpoint/2010/main" val="4047171276"/>
+        <p14:creationId xmlns:p14="http://schemas.microsoft.com/office/powerpoint/2010/main" val="3791904621"/>
       </p:ext>
     </p:extLst>
   </p:cSld>
@@ -15358,6 +15438,422 @@
           <p:cNvPr id="2" name="Title 1">
             <a:extLst>
               <a:ext uri="{FF2B5EF4-FFF2-40B4-BE49-F238E27FC236}">
+                <a16:creationId xmlns:a16="http://schemas.microsoft.com/office/drawing/2014/main" id="{88E68DDD-0321-4723-1F32-620FF8E0EE80}"/>
+              </a:ext>
+            </a:extLst>
+          </p:cNvPr>
+          <p:cNvSpPr>
+            <a:spLocks noGrp="1"/>
+          </p:cNvSpPr>
+          <p:nvPr>
+            <p:ph type="title"/>
+          </p:nvPr>
+        </p:nvSpPr>
+        <p:spPr/>
+        <p:txBody>
+          <a:bodyPr/>
+          <a:lstStyle/>
+          <a:p>
+            <a:r>
+              <a:rPr lang="en-US" dirty="0"/>
+              <a:t>Code Block and Scope of Variable</a:t>
+            </a:r>
+          </a:p>
+        </p:txBody>
+      </p:sp>
+      <p:sp>
+        <p:nvSpPr>
+          <p:cNvPr id="3" name="Content Placeholder 2">
+            <a:extLst>
+              <a:ext uri="{FF2B5EF4-FFF2-40B4-BE49-F238E27FC236}">
+                <a16:creationId xmlns:a16="http://schemas.microsoft.com/office/drawing/2014/main" id="{CF94D46C-8217-D03E-FEC7-4742C9EC3906}"/>
+              </a:ext>
+            </a:extLst>
+          </p:cNvPr>
+          <p:cNvSpPr>
+            <a:spLocks noGrp="1"/>
+          </p:cNvSpPr>
+          <p:nvPr>
+            <p:ph idx="1"/>
+          </p:nvPr>
+        </p:nvSpPr>
+        <p:spPr/>
+        <p:txBody>
+          <a:bodyPr/>
+          <a:lstStyle/>
+          <a:p>
+            <a:pPr algn="just"/>
+            <a:r>
+              <a:rPr lang="en-US" dirty="0"/>
+              <a:t>Block scopes are the scopes created by code blocks. Variables declared within a block scope are only accessible within that block and any nested blocks. They are not accessible outside the block. </a:t>
+            </a:r>
+          </a:p>
+        </p:txBody>
+      </p:sp>
+    </p:spTree>
+    <p:extLst>
+      <p:ext uri="{BB962C8B-B14F-4D97-AF65-F5344CB8AC3E}">
+        <p14:creationId xmlns:p14="http://schemas.microsoft.com/office/powerpoint/2010/main" val="2169033518"/>
+      </p:ext>
+    </p:extLst>
+  </p:cSld>
+  <p:clrMapOvr>
+    <a:masterClrMapping/>
+  </p:clrMapOvr>
+</p:sld>
+</file>
+
+<file path=ppt/slides/slide21.xml><?xml version="1.0" encoding="utf-8"?>
+<p:sld xmlns:a="http://schemas.openxmlformats.org/drawingml/2006/main" xmlns:r="http://schemas.openxmlformats.org/officeDocument/2006/relationships" xmlns:p="http://schemas.openxmlformats.org/presentationml/2006/main">
+  <p:cSld>
+    <p:spTree>
+      <p:nvGrpSpPr>
+        <p:cNvPr id="1" name=""/>
+        <p:cNvGrpSpPr/>
+        <p:nvPr/>
+      </p:nvGrpSpPr>
+      <p:grpSpPr>
+        <a:xfrm>
+          <a:off x="0" y="0"/>
+          <a:ext cx="0" cy="0"/>
+          <a:chOff x="0" y="0"/>
+          <a:chExt cx="0" cy="0"/>
+        </a:xfrm>
+      </p:grpSpPr>
+      <p:sp>
+        <p:nvSpPr>
+          <p:cNvPr id="2" name="Title 1">
+            <a:extLst>
+              <a:ext uri="{FF2B5EF4-FFF2-40B4-BE49-F238E27FC236}">
+                <a16:creationId xmlns:a16="http://schemas.microsoft.com/office/drawing/2014/main" id="{913DA3FD-E26E-52C0-49D8-846681C45879}"/>
+              </a:ext>
+            </a:extLst>
+          </p:cNvPr>
+          <p:cNvSpPr>
+            <a:spLocks noGrp="1"/>
+          </p:cNvSpPr>
+          <p:nvPr>
+            <p:ph type="title"/>
+          </p:nvPr>
+        </p:nvSpPr>
+        <p:spPr/>
+        <p:txBody>
+          <a:bodyPr/>
+          <a:lstStyle/>
+          <a:p>
+            <a:r>
+              <a:rPr lang="en-US" dirty="0"/>
+              <a:t>Example for Variable scope within Code Blocks and Nested Code Blocks</a:t>
+            </a:r>
+          </a:p>
+        </p:txBody>
+      </p:sp>
+      <p:sp>
+        <p:nvSpPr>
+          <p:cNvPr id="3" name="Content Placeholder 2">
+            <a:extLst>
+              <a:ext uri="{FF2B5EF4-FFF2-40B4-BE49-F238E27FC236}">
+                <a16:creationId xmlns:a16="http://schemas.microsoft.com/office/drawing/2014/main" id="{A653C9C1-E1B0-D02E-C544-06701D516BC1}"/>
+              </a:ext>
+            </a:extLst>
+          </p:cNvPr>
+          <p:cNvSpPr>
+            <a:spLocks noGrp="1"/>
+          </p:cNvSpPr>
+          <p:nvPr>
+            <p:ph idx="1"/>
+          </p:nvPr>
+        </p:nvSpPr>
+        <p:spPr/>
+        <p:txBody>
+          <a:bodyPr>
+            <a:normAutofit fontScale="55000" lnSpcReduction="20000"/>
+          </a:bodyPr>
+          <a:lstStyle/>
+          <a:p>
+            <a:pPr marL="0" indent="0">
+              <a:buNone/>
+            </a:pPr>
+            <a:r>
+              <a:rPr lang="en-US" dirty="0"/>
+              <a:t>{</a:t>
+            </a:r>
+          </a:p>
+          <a:p>
+            <a:pPr marL="0" indent="0">
+              <a:buNone/>
+            </a:pPr>
+            <a:r>
+              <a:rPr lang="en-US" dirty="0"/>
+              <a:t>  // This is a block scope</a:t>
+            </a:r>
+          </a:p>
+          <a:p>
+            <a:pPr marL="0" indent="0">
+              <a:buNone/>
+            </a:pPr>
+            <a:r>
+              <a:rPr lang="en-US" dirty="0"/>
+              <a:t>  let x = 10; // This variable is scoped to this block</a:t>
+            </a:r>
+          </a:p>
+          <a:p>
+            <a:pPr marL="0" indent="0">
+              <a:buNone/>
+            </a:pPr>
+            <a:r>
+              <a:rPr lang="en-US" dirty="0"/>
+              <a:t>  {</a:t>
+            </a:r>
+          </a:p>
+          <a:p>
+            <a:pPr marL="0" indent="0">
+              <a:buNone/>
+            </a:pPr>
+            <a:r>
+              <a:rPr lang="en-US" dirty="0"/>
+              <a:t>    // This is a nested block scope</a:t>
+            </a:r>
+          </a:p>
+          <a:p>
+            <a:pPr marL="0" indent="0">
+              <a:buNone/>
+            </a:pPr>
+            <a:r>
+              <a:rPr lang="en-US" dirty="0"/>
+              <a:t>    let y = 20; // This variable is scoped to this nested block</a:t>
+            </a:r>
+          </a:p>
+          <a:p>
+            <a:pPr marL="0" indent="0">
+              <a:buNone/>
+            </a:pPr>
+            <a:r>
+              <a:rPr lang="en-US" dirty="0"/>
+              <a:t>    console.log(x); // This can access x from the outer block</a:t>
+            </a:r>
+          </a:p>
+          <a:p>
+            <a:pPr marL="0" indent="0">
+              <a:buNone/>
+            </a:pPr>
+            <a:r>
+              <a:rPr lang="en-US" dirty="0"/>
+              <a:t>    console.log(y); // This can access y from the current block</a:t>
+            </a:r>
+          </a:p>
+          <a:p>
+            <a:pPr marL="0" indent="0">
+              <a:buNone/>
+            </a:pPr>
+            <a:r>
+              <a:rPr lang="en-US" dirty="0"/>
+              <a:t>  }</a:t>
+            </a:r>
+          </a:p>
+          <a:p>
+            <a:pPr marL="0" indent="0">
+              <a:buNone/>
+            </a:pPr>
+            <a:r>
+              <a:rPr lang="en-US" dirty="0"/>
+              <a:t>  console.log(x); // This can still access x from the current block</a:t>
+            </a:r>
+          </a:p>
+          <a:p>
+            <a:pPr marL="0" indent="0">
+              <a:buNone/>
+            </a:pPr>
+            <a:r>
+              <a:rPr lang="en-US" dirty="0"/>
+              <a:t>  console.log(y); // This cannot access y from the nested block</a:t>
+            </a:r>
+          </a:p>
+          <a:p>
+            <a:pPr marL="0" indent="0">
+              <a:buNone/>
+            </a:pPr>
+            <a:r>
+              <a:rPr lang="en-US" dirty="0"/>
+              <a:t>}</a:t>
+            </a:r>
+          </a:p>
+          <a:p>
+            <a:pPr marL="0" indent="0">
+              <a:buNone/>
+            </a:pPr>
+            <a:r>
+              <a:rPr lang="en-US" dirty="0"/>
+              <a:t>console.log(x); // This cannot access x from the block scope</a:t>
+            </a:r>
+          </a:p>
+          <a:p>
+            <a:pPr marL="0" indent="0">
+              <a:buNone/>
+            </a:pPr>
+            <a:r>
+              <a:rPr lang="en-US" dirty="0"/>
+              <a:t>console.log(y); // This cannot access y from the block scope</a:t>
+            </a:r>
+          </a:p>
+          <a:p>
+            <a:endParaRPr lang="en-US" dirty="0"/>
+          </a:p>
+        </p:txBody>
+      </p:sp>
+    </p:spTree>
+    <p:extLst>
+      <p:ext uri="{BB962C8B-B14F-4D97-AF65-F5344CB8AC3E}">
+        <p14:creationId xmlns:p14="http://schemas.microsoft.com/office/powerpoint/2010/main" val="1014990620"/>
+      </p:ext>
+    </p:extLst>
+  </p:cSld>
+  <p:clrMapOvr>
+    <a:masterClrMapping/>
+  </p:clrMapOvr>
+</p:sld>
+</file>
+
+<file path=ppt/slides/slide22.xml><?xml version="1.0" encoding="utf-8"?>
+<p:sld xmlns:a="http://schemas.openxmlformats.org/drawingml/2006/main" xmlns:r="http://schemas.openxmlformats.org/officeDocument/2006/relationships" xmlns:p="http://schemas.openxmlformats.org/presentationml/2006/main">
+  <p:cSld>
+    <p:spTree>
+      <p:nvGrpSpPr>
+        <p:cNvPr id="1" name=""/>
+        <p:cNvGrpSpPr/>
+        <p:nvPr/>
+      </p:nvGrpSpPr>
+      <p:grpSpPr>
+        <a:xfrm>
+          <a:off x="0" y="0"/>
+          <a:ext cx="0" cy="0"/>
+          <a:chOff x="0" y="0"/>
+          <a:chExt cx="0" cy="0"/>
+        </a:xfrm>
+      </p:grpSpPr>
+      <p:sp>
+        <p:nvSpPr>
+          <p:cNvPr id="2" name="Title 1">
+            <a:extLst>
+              <a:ext uri="{FF2B5EF4-FFF2-40B4-BE49-F238E27FC236}">
+                <a16:creationId xmlns:a16="http://schemas.microsoft.com/office/drawing/2014/main" id="{E14514BF-94EF-9E70-F438-08CF7792F59C}"/>
+              </a:ext>
+            </a:extLst>
+          </p:cNvPr>
+          <p:cNvSpPr>
+            <a:spLocks noGrp="1"/>
+          </p:cNvSpPr>
+          <p:nvPr>
+            <p:ph type="title"/>
+          </p:nvPr>
+        </p:nvSpPr>
+        <p:spPr/>
+        <p:txBody>
+          <a:bodyPr/>
+          <a:lstStyle/>
+          <a:p>
+            <a:r>
+              <a:rPr lang="en-US" dirty="0"/>
+              <a:t>What is the difference between LET,CONST, and VAR</a:t>
+            </a:r>
+          </a:p>
+        </p:txBody>
+      </p:sp>
+      <p:sp>
+        <p:nvSpPr>
+          <p:cNvPr id="3" name="Content Placeholder 2">
+            <a:extLst>
+              <a:ext uri="{FF2B5EF4-FFF2-40B4-BE49-F238E27FC236}">
+                <a16:creationId xmlns:a16="http://schemas.microsoft.com/office/drawing/2014/main" id="{24F14CD8-1634-0C4A-5BEE-1C35F49F8C98}"/>
+              </a:ext>
+            </a:extLst>
+          </p:cNvPr>
+          <p:cNvSpPr>
+            <a:spLocks noGrp="1"/>
+          </p:cNvSpPr>
+          <p:nvPr>
+            <p:ph idx="1"/>
+          </p:nvPr>
+        </p:nvSpPr>
+        <p:spPr/>
+        <p:txBody>
+          <a:bodyPr>
+            <a:normAutofit fontScale="85000" lnSpcReduction="20000"/>
+          </a:bodyPr>
+          <a:lstStyle/>
+          <a:p>
+            <a:r>
+              <a:rPr lang="en-US" dirty="0"/>
+              <a:t>The difference between let, const, and var in TypeScript is based on their scope, reassignment, and hoisting behavior.</a:t>
+            </a:r>
+          </a:p>
+          <a:p>
+            <a:r>
+              <a:rPr lang="en-US" dirty="0"/>
+              <a:t>var: is function-scoped or global-scoped, which means it can be accessed within the function or the whole window where it is declared.</a:t>
+            </a:r>
+          </a:p>
+          <a:p>
+            <a:r>
+              <a:rPr lang="en-US" dirty="0"/>
+              <a:t>let and const: are block-scoped, which means they can only be accessed within the block (such as a loop or an if statement) where they are declared.</a:t>
+            </a:r>
+          </a:p>
+          <a:p>
+            <a:r>
+              <a:rPr lang="en-US" dirty="0"/>
+              <a:t>Reassignment: This refers to whether the variables can be changed or reassigned after their declaration.</a:t>
+            </a:r>
+          </a:p>
+          <a:p>
+            <a:r>
+              <a:rPr lang="en-US" dirty="0"/>
+              <a:t>var and let can be reassigned, which means their values can be changed or updated.</a:t>
+            </a:r>
+          </a:p>
+          <a:p>
+            <a:r>
+              <a:rPr lang="en-US" dirty="0"/>
+              <a:t>const cannot be reassigned, which means its value is fixed and cannot be changed.</a:t>
+            </a:r>
+          </a:p>
+        </p:txBody>
+      </p:sp>
+    </p:spTree>
+    <p:extLst>
+      <p:ext uri="{BB962C8B-B14F-4D97-AF65-F5344CB8AC3E}">
+        <p14:creationId xmlns:p14="http://schemas.microsoft.com/office/powerpoint/2010/main" val="4047171276"/>
+      </p:ext>
+    </p:extLst>
+  </p:cSld>
+  <p:clrMapOvr>
+    <a:masterClrMapping/>
+  </p:clrMapOvr>
+</p:sld>
+</file>
+
+<file path=ppt/slides/slide23.xml><?xml version="1.0" encoding="utf-8"?>
+<p:sld xmlns:a="http://schemas.openxmlformats.org/drawingml/2006/main" xmlns:r="http://schemas.openxmlformats.org/officeDocument/2006/relationships" xmlns:p="http://schemas.openxmlformats.org/presentationml/2006/main">
+  <p:cSld>
+    <p:spTree>
+      <p:nvGrpSpPr>
+        <p:cNvPr id="1" name=""/>
+        <p:cNvGrpSpPr/>
+        <p:nvPr/>
+      </p:nvGrpSpPr>
+      <p:grpSpPr>
+        <a:xfrm>
+          <a:off x="0" y="0"/>
+          <a:ext cx="0" cy="0"/>
+          <a:chOff x="0" y="0"/>
+          <a:chExt cx="0" cy="0"/>
+        </a:xfrm>
+      </p:grpSpPr>
+      <p:sp>
+        <p:nvSpPr>
+          <p:cNvPr id="2" name="Title 1">
+            <a:extLst>
+              <a:ext uri="{FF2B5EF4-FFF2-40B4-BE49-F238E27FC236}">
                 <a16:creationId xmlns:a16="http://schemas.microsoft.com/office/drawing/2014/main" id="{07206C9A-DBCE-75DA-1EE6-42353234358C}"/>
               </a:ext>
             </a:extLst>
@@ -15452,7 +15948,7 @@
 </p:sld>
 </file>
 
-<file path=ppt/slides/slide21.xml><?xml version="1.0" encoding="utf-8"?>
+<file path=ppt/slides/slide24.xml><?xml version="1.0" encoding="utf-8"?>
 <p:sld xmlns:a="http://schemas.openxmlformats.org/drawingml/2006/main" xmlns:r="http://schemas.openxmlformats.org/officeDocument/2006/relationships" xmlns:p="http://schemas.openxmlformats.org/presentationml/2006/main">
   <p:cSld>
     <p:spTree>
@@ -15548,7 +16044,7 @@
 </p:sld>
 </file>
 
-<file path=ppt/slides/slide22.xml><?xml version="1.0" encoding="utf-8"?>
+<file path=ppt/slides/slide25.xml><?xml version="1.0" encoding="utf-8"?>
 <p:sld xmlns:a="http://schemas.openxmlformats.org/drawingml/2006/main" xmlns:r="http://schemas.openxmlformats.org/officeDocument/2006/relationships" xmlns:p="http://schemas.openxmlformats.org/presentationml/2006/main">
   <p:cSld>
     <p:spTree>
@@ -15635,7 +16131,7 @@
 </p:sld>
 </file>
 
-<file path=ppt/slides/slide23.xml><?xml version="1.0" encoding="utf-8"?>
+<file path=ppt/slides/slide26.xml><?xml version="1.0" encoding="utf-8"?>
 <p:sld xmlns:a="http://schemas.openxmlformats.org/drawingml/2006/main" xmlns:r="http://schemas.openxmlformats.org/officeDocument/2006/relationships" xmlns:p="http://schemas.openxmlformats.org/presentationml/2006/main">
   <p:cSld>
     <p:spTree>
@@ -15744,7 +16240,7 @@
 </p:sld>
 </file>
 
-<file path=ppt/slides/slide24.xml><?xml version="1.0" encoding="utf-8"?>
+<file path=ppt/slides/slide27.xml><?xml version="1.0" encoding="utf-8"?>
 <p:sld xmlns:a="http://schemas.openxmlformats.org/drawingml/2006/main" xmlns:r="http://schemas.openxmlformats.org/officeDocument/2006/relationships" xmlns:p="http://schemas.openxmlformats.org/presentationml/2006/main">
   <p:cSld>
     <p:spTree>
@@ -15831,7 +16327,7 @@
 </p:sld>
 </file>
 
-<file path=ppt/slides/slide25.xml><?xml version="1.0" encoding="utf-8"?>
+<file path=ppt/slides/slide28.xml><?xml version="1.0" encoding="utf-8"?>
 <p:sld xmlns:a="http://schemas.openxmlformats.org/drawingml/2006/main" xmlns:r="http://schemas.openxmlformats.org/officeDocument/2006/relationships" xmlns:p="http://schemas.openxmlformats.org/presentationml/2006/main">
   <p:cSld>
     <p:spTree>
@@ -16015,7 +16511,7 @@
 </p:sld>
 </file>
 
-<file path=ppt/slides/slide26.xml><?xml version="1.0" encoding="utf-8"?>
+<file path=ppt/slides/slide29.xml><?xml version="1.0" encoding="utf-8"?>
 <p:sld xmlns:a="http://schemas.openxmlformats.org/drawingml/2006/main" xmlns:r="http://schemas.openxmlformats.org/officeDocument/2006/relationships" xmlns:p="http://schemas.openxmlformats.org/presentationml/2006/main">
   <p:cSld>
     <p:spTree>
@@ -16093,344 +16589,6 @@
     <p:extLst>
       <p:ext uri="{BB962C8B-B14F-4D97-AF65-F5344CB8AC3E}">
         <p14:creationId xmlns:p14="http://schemas.microsoft.com/office/powerpoint/2010/main" val="1672379263"/>
-      </p:ext>
-    </p:extLst>
-  </p:cSld>
-  <p:clrMapOvr>
-    <a:masterClrMapping/>
-  </p:clrMapOvr>
-</p:sld>
-</file>
-
-<file path=ppt/slides/slide27.xml><?xml version="1.0" encoding="utf-8"?>
-<p:sld xmlns:a="http://schemas.openxmlformats.org/drawingml/2006/main" xmlns:r="http://schemas.openxmlformats.org/officeDocument/2006/relationships" xmlns:p="http://schemas.openxmlformats.org/presentationml/2006/main">
-  <p:cSld>
-    <p:spTree>
-      <p:nvGrpSpPr>
-        <p:cNvPr id="1" name=""/>
-        <p:cNvGrpSpPr/>
-        <p:nvPr/>
-      </p:nvGrpSpPr>
-      <p:grpSpPr>
-        <a:xfrm>
-          <a:off x="0" y="0"/>
-          <a:ext cx="0" cy="0"/>
-          <a:chOff x="0" y="0"/>
-          <a:chExt cx="0" cy="0"/>
-        </a:xfrm>
-      </p:grpSpPr>
-      <p:sp>
-        <p:nvSpPr>
-          <p:cNvPr id="3" name="Content Placeholder 2">
-            <a:extLst>
-              <a:ext uri="{FF2B5EF4-FFF2-40B4-BE49-F238E27FC236}">
-                <a16:creationId xmlns:a16="http://schemas.microsoft.com/office/drawing/2014/main" id="{CDE9E485-ECA1-986B-47BA-EF42060A36CB}"/>
-              </a:ext>
-            </a:extLst>
-          </p:cNvPr>
-          <p:cNvSpPr>
-            <a:spLocks noGrp="1"/>
-          </p:cNvSpPr>
-          <p:nvPr>
-            <p:ph idx="4294967295"/>
-          </p:nvPr>
-        </p:nvSpPr>
-        <p:spPr>
-          <a:xfrm>
-            <a:off x="636104" y="1144989"/>
-            <a:ext cx="10721202" cy="6091569"/>
-          </a:xfrm>
-        </p:spPr>
-        <p:txBody>
-          <a:bodyPr>
-            <a:normAutofit/>
-          </a:bodyPr>
-          <a:lstStyle/>
-          <a:p>
-            <a:pPr marL="0" indent="0">
-              <a:buNone/>
-            </a:pPr>
-            <a:r>
-              <a:rPr lang="en-US" dirty="0"/>
-              <a:t>let c = new C(); // Output: Uncaught </a:t>
-            </a:r>
-            <a:r>
-              <a:rPr lang="en-US" dirty="0" err="1"/>
-              <a:t>ReferenceError</a:t>
-            </a:r>
-            <a:r>
-              <a:rPr lang="en-US" dirty="0"/>
-              <a:t>: Cannot access 'C' before initialization</a:t>
-            </a:r>
-          </a:p>
-          <a:p>
-            <a:pPr marL="0" indent="0">
-              <a:buNone/>
-            </a:pPr>
-            <a:r>
-              <a:rPr lang="en-US" dirty="0"/>
-              <a:t>class C {</a:t>
-            </a:r>
-          </a:p>
-          <a:p>
-            <a:pPr marL="0" indent="0">
-              <a:buNone/>
-            </a:pPr>
-            <a:r>
-              <a:rPr lang="en-US" dirty="0"/>
-              <a:t>  // This declaration is hoisted to the top of the scope</a:t>
-            </a:r>
-          </a:p>
-          <a:p>
-            <a:pPr marL="0" indent="0">
-              <a:buNone/>
-            </a:pPr>
-            <a:r>
-              <a:rPr lang="en-US" dirty="0"/>
-              <a:t>  constructor() {</a:t>
-            </a:r>
-          </a:p>
-          <a:p>
-            <a:pPr marL="0" indent="0">
-              <a:buNone/>
-            </a:pPr>
-            <a:r>
-              <a:rPr lang="en-US" dirty="0"/>
-              <a:t>    console.log("Hello");</a:t>
-            </a:r>
-          </a:p>
-          <a:p>
-            <a:pPr marL="0" indent="0">
-              <a:buNone/>
-            </a:pPr>
-            <a:r>
-              <a:rPr lang="en-US" dirty="0"/>
-              <a:t>  }</a:t>
-            </a:r>
-          </a:p>
-          <a:p>
-            <a:pPr marL="0" indent="0">
-              <a:buNone/>
-            </a:pPr>
-            <a:r>
-              <a:rPr lang="en-US" dirty="0"/>
-              <a:t>}</a:t>
-            </a:r>
-          </a:p>
-        </p:txBody>
-      </p:sp>
-    </p:spTree>
-    <p:extLst>
-      <p:ext uri="{BB962C8B-B14F-4D97-AF65-F5344CB8AC3E}">
-        <p14:creationId xmlns:p14="http://schemas.microsoft.com/office/powerpoint/2010/main" val="1370476418"/>
-      </p:ext>
-    </p:extLst>
-  </p:cSld>
-  <p:clrMapOvr>
-    <a:masterClrMapping/>
-  </p:clrMapOvr>
-</p:sld>
-</file>
-
-<file path=ppt/slides/slide28.xml><?xml version="1.0" encoding="utf-8"?>
-<p:sld xmlns:a="http://schemas.openxmlformats.org/drawingml/2006/main" xmlns:r="http://schemas.openxmlformats.org/officeDocument/2006/relationships" xmlns:p="http://schemas.openxmlformats.org/presentationml/2006/main">
-  <p:cSld>
-    <p:spTree>
-      <p:nvGrpSpPr>
-        <p:cNvPr id="1" name=""/>
-        <p:cNvGrpSpPr/>
-        <p:nvPr/>
-      </p:nvGrpSpPr>
-      <p:grpSpPr>
-        <a:xfrm>
-          <a:off x="0" y="0"/>
-          <a:ext cx="0" cy="0"/>
-          <a:chOff x="0" y="0"/>
-          <a:chExt cx="0" cy="0"/>
-        </a:xfrm>
-      </p:grpSpPr>
-      <p:sp>
-        <p:nvSpPr>
-          <p:cNvPr id="2" name="Title 1">
-            <a:extLst>
-              <a:ext uri="{FF2B5EF4-FFF2-40B4-BE49-F238E27FC236}">
-                <a16:creationId xmlns:a16="http://schemas.microsoft.com/office/drawing/2014/main" id="{59C00F5D-E0C2-1A6C-0B86-CF1E9782D92E}"/>
-              </a:ext>
-            </a:extLst>
-          </p:cNvPr>
-          <p:cNvSpPr>
-            <a:spLocks noGrp="1"/>
-          </p:cNvSpPr>
-          <p:nvPr>
-            <p:ph type="title"/>
-          </p:nvPr>
-        </p:nvSpPr>
-        <p:spPr/>
-        <p:txBody>
-          <a:bodyPr/>
-          <a:lstStyle/>
-          <a:p>
-            <a:r>
-              <a:rPr lang="en-US" dirty="0"/>
-              <a:t>Import Hoisting</a:t>
-            </a:r>
-          </a:p>
-        </p:txBody>
-      </p:sp>
-      <p:sp>
-        <p:nvSpPr>
-          <p:cNvPr id="3" name="Content Placeholder 2">
-            <a:extLst>
-              <a:ext uri="{FF2B5EF4-FFF2-40B4-BE49-F238E27FC236}">
-                <a16:creationId xmlns:a16="http://schemas.microsoft.com/office/drawing/2014/main" id="{CE17882B-D18E-310C-AB98-7F4A4E51F522}"/>
-              </a:ext>
-            </a:extLst>
-          </p:cNvPr>
-          <p:cNvSpPr>
-            <a:spLocks noGrp="1"/>
-          </p:cNvSpPr>
-          <p:nvPr>
-            <p:ph idx="1"/>
-          </p:nvPr>
-        </p:nvSpPr>
-        <p:spPr/>
-        <p:txBody>
-          <a:bodyPr/>
-          <a:lstStyle/>
-          <a:p>
-            <a:r>
-              <a:rPr lang="en-US" dirty="0"/>
-              <a:t>Import statements are hoisted to the top of the module scope and can be used before their actual declaration. However, they cannot be used inside conditional blocks or nested scopes, as they are only valid at the top level of a module</a:t>
-            </a:r>
-          </a:p>
-        </p:txBody>
-      </p:sp>
-    </p:spTree>
-    <p:extLst>
-      <p:ext uri="{BB962C8B-B14F-4D97-AF65-F5344CB8AC3E}">
-        <p14:creationId xmlns:p14="http://schemas.microsoft.com/office/powerpoint/2010/main" val="2159601418"/>
-      </p:ext>
-    </p:extLst>
-  </p:cSld>
-  <p:clrMapOvr>
-    <a:masterClrMapping/>
-  </p:clrMapOvr>
-</p:sld>
-</file>
-
-<file path=ppt/slides/slide29.xml><?xml version="1.0" encoding="utf-8"?>
-<p:sld xmlns:a="http://schemas.openxmlformats.org/drawingml/2006/main" xmlns:r="http://schemas.openxmlformats.org/officeDocument/2006/relationships" xmlns:p="http://schemas.openxmlformats.org/presentationml/2006/main">
-  <p:cSld>
-    <p:spTree>
-      <p:nvGrpSpPr>
-        <p:cNvPr id="1" name=""/>
-        <p:cNvGrpSpPr/>
-        <p:nvPr/>
-      </p:nvGrpSpPr>
-      <p:grpSpPr>
-        <a:xfrm>
-          <a:off x="0" y="0"/>
-          <a:ext cx="0" cy="0"/>
-          <a:chOff x="0" y="0"/>
-          <a:chExt cx="0" cy="0"/>
-        </a:xfrm>
-      </p:grpSpPr>
-      <p:sp>
-        <p:nvSpPr>
-          <p:cNvPr id="3" name="Content Placeholder 2">
-            <a:extLst>
-              <a:ext uri="{FF2B5EF4-FFF2-40B4-BE49-F238E27FC236}">
-                <a16:creationId xmlns:a16="http://schemas.microsoft.com/office/drawing/2014/main" id="{04205175-6F6A-FB53-4915-F3A895F16F60}"/>
-              </a:ext>
-            </a:extLst>
-          </p:cNvPr>
-          <p:cNvSpPr>
-            <a:spLocks noGrp="1"/>
-          </p:cNvSpPr>
-          <p:nvPr>
-            <p:ph idx="4294967295"/>
-          </p:nvPr>
-        </p:nvSpPr>
-        <p:spPr>
-          <a:xfrm>
-            <a:off x="914400" y="636105"/>
-            <a:ext cx="10252075" cy="6179034"/>
-          </a:xfrm>
-        </p:spPr>
-        <p:txBody>
-          <a:bodyPr>
-            <a:normAutofit/>
-          </a:bodyPr>
-          <a:lstStyle/>
-          <a:p>
-            <a:pPr marL="0" indent="0">
-              <a:buNone/>
-            </a:pPr>
-            <a:r>
-              <a:rPr lang="en-US" dirty="0"/>
-              <a:t>console.log(add(1, 2)); // Output: 3</a:t>
-            </a:r>
-          </a:p>
-          <a:p>
-            <a:pPr marL="0" indent="0">
-              <a:buNone/>
-            </a:pPr>
-            <a:r>
-              <a:rPr lang="en-US" dirty="0"/>
-              <a:t>import { add } from "./math"; // This statement is hoisted to the top of the module</a:t>
-            </a:r>
-          </a:p>
-          <a:p>
-            <a:pPr marL="0" indent="0">
-              <a:buNone/>
-            </a:pPr>
-            <a:endParaRPr lang="en-US" dirty="0"/>
-          </a:p>
-          <a:p>
-            <a:pPr marL="0" indent="0">
-              <a:buNone/>
-            </a:pPr>
-            <a:r>
-              <a:rPr lang="en-US" dirty="0"/>
-              <a:t>if (true) {</a:t>
-            </a:r>
-          </a:p>
-          <a:p>
-            <a:pPr marL="0" indent="0">
-              <a:buNone/>
-            </a:pPr>
-            <a:r>
-              <a:rPr lang="en-US" dirty="0"/>
-              <a:t>  import { subtract } from "./math"; // Error: Cannot use import statement outside a module</a:t>
-            </a:r>
-          </a:p>
-          <a:p>
-            <a:pPr marL="0" indent="0">
-              <a:buNone/>
-            </a:pPr>
-            <a:r>
-              <a:rPr lang="en-US" dirty="0"/>
-              <a:t>  console.log(subtract(3, 2));</a:t>
-            </a:r>
-          </a:p>
-          <a:p>
-            <a:pPr marL="0" indent="0">
-              <a:buNone/>
-            </a:pPr>
-            <a:r>
-              <a:rPr lang="en-US" dirty="0"/>
-              <a:t>}</a:t>
-            </a:r>
-          </a:p>
-          <a:p>
-            <a:endParaRPr lang="en-US" dirty="0"/>
-          </a:p>
-        </p:txBody>
-      </p:sp>
-    </p:spTree>
-    <p:extLst>
-      <p:ext uri="{BB962C8B-B14F-4D97-AF65-F5344CB8AC3E}">
-        <p14:creationId xmlns:p14="http://schemas.microsoft.com/office/powerpoint/2010/main" val="1435170239"/>
       </p:ext>
     </p:extLst>
   </p:cSld>
@@ -16593,6 +16751,344 @@
 </file>
 
 <file path=ppt/slides/slide30.xml><?xml version="1.0" encoding="utf-8"?>
+<p:sld xmlns:a="http://schemas.openxmlformats.org/drawingml/2006/main" xmlns:r="http://schemas.openxmlformats.org/officeDocument/2006/relationships" xmlns:p="http://schemas.openxmlformats.org/presentationml/2006/main">
+  <p:cSld>
+    <p:spTree>
+      <p:nvGrpSpPr>
+        <p:cNvPr id="1" name=""/>
+        <p:cNvGrpSpPr/>
+        <p:nvPr/>
+      </p:nvGrpSpPr>
+      <p:grpSpPr>
+        <a:xfrm>
+          <a:off x="0" y="0"/>
+          <a:ext cx="0" cy="0"/>
+          <a:chOff x="0" y="0"/>
+          <a:chExt cx="0" cy="0"/>
+        </a:xfrm>
+      </p:grpSpPr>
+      <p:sp>
+        <p:nvSpPr>
+          <p:cNvPr id="3" name="Content Placeholder 2">
+            <a:extLst>
+              <a:ext uri="{FF2B5EF4-FFF2-40B4-BE49-F238E27FC236}">
+                <a16:creationId xmlns:a16="http://schemas.microsoft.com/office/drawing/2014/main" id="{CDE9E485-ECA1-986B-47BA-EF42060A36CB}"/>
+              </a:ext>
+            </a:extLst>
+          </p:cNvPr>
+          <p:cNvSpPr>
+            <a:spLocks noGrp="1"/>
+          </p:cNvSpPr>
+          <p:nvPr>
+            <p:ph idx="4294967295"/>
+          </p:nvPr>
+        </p:nvSpPr>
+        <p:spPr>
+          <a:xfrm>
+            <a:off x="636104" y="1144989"/>
+            <a:ext cx="10721202" cy="6091569"/>
+          </a:xfrm>
+        </p:spPr>
+        <p:txBody>
+          <a:bodyPr>
+            <a:normAutofit/>
+          </a:bodyPr>
+          <a:lstStyle/>
+          <a:p>
+            <a:pPr marL="0" indent="0">
+              <a:buNone/>
+            </a:pPr>
+            <a:r>
+              <a:rPr lang="en-US" dirty="0"/>
+              <a:t>let c = new C(); // Output: Uncaught </a:t>
+            </a:r>
+            <a:r>
+              <a:rPr lang="en-US" dirty="0" err="1"/>
+              <a:t>ReferenceError</a:t>
+            </a:r>
+            <a:r>
+              <a:rPr lang="en-US" dirty="0"/>
+              <a:t>: Cannot access 'C' before initialization</a:t>
+            </a:r>
+          </a:p>
+          <a:p>
+            <a:pPr marL="0" indent="0">
+              <a:buNone/>
+            </a:pPr>
+            <a:r>
+              <a:rPr lang="en-US" dirty="0"/>
+              <a:t>class C {</a:t>
+            </a:r>
+          </a:p>
+          <a:p>
+            <a:pPr marL="0" indent="0">
+              <a:buNone/>
+            </a:pPr>
+            <a:r>
+              <a:rPr lang="en-US" dirty="0"/>
+              <a:t>  // This declaration is hoisted to the top of the scope</a:t>
+            </a:r>
+          </a:p>
+          <a:p>
+            <a:pPr marL="0" indent="0">
+              <a:buNone/>
+            </a:pPr>
+            <a:r>
+              <a:rPr lang="en-US" dirty="0"/>
+              <a:t>  constructor() {</a:t>
+            </a:r>
+          </a:p>
+          <a:p>
+            <a:pPr marL="0" indent="0">
+              <a:buNone/>
+            </a:pPr>
+            <a:r>
+              <a:rPr lang="en-US" dirty="0"/>
+              <a:t>    console.log("Hello");</a:t>
+            </a:r>
+          </a:p>
+          <a:p>
+            <a:pPr marL="0" indent="0">
+              <a:buNone/>
+            </a:pPr>
+            <a:r>
+              <a:rPr lang="en-US" dirty="0"/>
+              <a:t>  }</a:t>
+            </a:r>
+          </a:p>
+          <a:p>
+            <a:pPr marL="0" indent="0">
+              <a:buNone/>
+            </a:pPr>
+            <a:r>
+              <a:rPr lang="en-US" dirty="0"/>
+              <a:t>}</a:t>
+            </a:r>
+          </a:p>
+        </p:txBody>
+      </p:sp>
+    </p:spTree>
+    <p:extLst>
+      <p:ext uri="{BB962C8B-B14F-4D97-AF65-F5344CB8AC3E}">
+        <p14:creationId xmlns:p14="http://schemas.microsoft.com/office/powerpoint/2010/main" val="1370476418"/>
+      </p:ext>
+    </p:extLst>
+  </p:cSld>
+  <p:clrMapOvr>
+    <a:masterClrMapping/>
+  </p:clrMapOvr>
+</p:sld>
+</file>
+
+<file path=ppt/slides/slide31.xml><?xml version="1.0" encoding="utf-8"?>
+<p:sld xmlns:a="http://schemas.openxmlformats.org/drawingml/2006/main" xmlns:r="http://schemas.openxmlformats.org/officeDocument/2006/relationships" xmlns:p="http://schemas.openxmlformats.org/presentationml/2006/main">
+  <p:cSld>
+    <p:spTree>
+      <p:nvGrpSpPr>
+        <p:cNvPr id="1" name=""/>
+        <p:cNvGrpSpPr/>
+        <p:nvPr/>
+      </p:nvGrpSpPr>
+      <p:grpSpPr>
+        <a:xfrm>
+          <a:off x="0" y="0"/>
+          <a:ext cx="0" cy="0"/>
+          <a:chOff x="0" y="0"/>
+          <a:chExt cx="0" cy="0"/>
+        </a:xfrm>
+      </p:grpSpPr>
+      <p:sp>
+        <p:nvSpPr>
+          <p:cNvPr id="2" name="Title 1">
+            <a:extLst>
+              <a:ext uri="{FF2B5EF4-FFF2-40B4-BE49-F238E27FC236}">
+                <a16:creationId xmlns:a16="http://schemas.microsoft.com/office/drawing/2014/main" id="{59C00F5D-E0C2-1A6C-0B86-CF1E9782D92E}"/>
+              </a:ext>
+            </a:extLst>
+          </p:cNvPr>
+          <p:cNvSpPr>
+            <a:spLocks noGrp="1"/>
+          </p:cNvSpPr>
+          <p:nvPr>
+            <p:ph type="title"/>
+          </p:nvPr>
+        </p:nvSpPr>
+        <p:spPr/>
+        <p:txBody>
+          <a:bodyPr/>
+          <a:lstStyle/>
+          <a:p>
+            <a:r>
+              <a:rPr lang="en-US" dirty="0"/>
+              <a:t>Import Hoisting</a:t>
+            </a:r>
+          </a:p>
+        </p:txBody>
+      </p:sp>
+      <p:sp>
+        <p:nvSpPr>
+          <p:cNvPr id="3" name="Content Placeholder 2">
+            <a:extLst>
+              <a:ext uri="{FF2B5EF4-FFF2-40B4-BE49-F238E27FC236}">
+                <a16:creationId xmlns:a16="http://schemas.microsoft.com/office/drawing/2014/main" id="{CE17882B-D18E-310C-AB98-7F4A4E51F522}"/>
+              </a:ext>
+            </a:extLst>
+          </p:cNvPr>
+          <p:cNvSpPr>
+            <a:spLocks noGrp="1"/>
+          </p:cNvSpPr>
+          <p:nvPr>
+            <p:ph idx="1"/>
+          </p:nvPr>
+        </p:nvSpPr>
+        <p:spPr/>
+        <p:txBody>
+          <a:bodyPr/>
+          <a:lstStyle/>
+          <a:p>
+            <a:r>
+              <a:rPr lang="en-US" dirty="0"/>
+              <a:t>Import statements are hoisted to the top of the module scope and can be used before their actual declaration. However, they cannot be used inside conditional blocks or nested scopes, as they are only valid at the top level of a module</a:t>
+            </a:r>
+          </a:p>
+        </p:txBody>
+      </p:sp>
+    </p:spTree>
+    <p:extLst>
+      <p:ext uri="{BB962C8B-B14F-4D97-AF65-F5344CB8AC3E}">
+        <p14:creationId xmlns:p14="http://schemas.microsoft.com/office/powerpoint/2010/main" val="2159601418"/>
+      </p:ext>
+    </p:extLst>
+  </p:cSld>
+  <p:clrMapOvr>
+    <a:masterClrMapping/>
+  </p:clrMapOvr>
+</p:sld>
+</file>
+
+<file path=ppt/slides/slide32.xml><?xml version="1.0" encoding="utf-8"?>
+<p:sld xmlns:a="http://schemas.openxmlformats.org/drawingml/2006/main" xmlns:r="http://schemas.openxmlformats.org/officeDocument/2006/relationships" xmlns:p="http://schemas.openxmlformats.org/presentationml/2006/main">
+  <p:cSld>
+    <p:spTree>
+      <p:nvGrpSpPr>
+        <p:cNvPr id="1" name=""/>
+        <p:cNvGrpSpPr/>
+        <p:nvPr/>
+      </p:nvGrpSpPr>
+      <p:grpSpPr>
+        <a:xfrm>
+          <a:off x="0" y="0"/>
+          <a:ext cx="0" cy="0"/>
+          <a:chOff x="0" y="0"/>
+          <a:chExt cx="0" cy="0"/>
+        </a:xfrm>
+      </p:grpSpPr>
+      <p:sp>
+        <p:nvSpPr>
+          <p:cNvPr id="3" name="Content Placeholder 2">
+            <a:extLst>
+              <a:ext uri="{FF2B5EF4-FFF2-40B4-BE49-F238E27FC236}">
+                <a16:creationId xmlns:a16="http://schemas.microsoft.com/office/drawing/2014/main" id="{04205175-6F6A-FB53-4915-F3A895F16F60}"/>
+              </a:ext>
+            </a:extLst>
+          </p:cNvPr>
+          <p:cNvSpPr>
+            <a:spLocks noGrp="1"/>
+          </p:cNvSpPr>
+          <p:nvPr>
+            <p:ph idx="4294967295"/>
+          </p:nvPr>
+        </p:nvSpPr>
+        <p:spPr>
+          <a:xfrm>
+            <a:off x="914400" y="636105"/>
+            <a:ext cx="10252075" cy="6179034"/>
+          </a:xfrm>
+        </p:spPr>
+        <p:txBody>
+          <a:bodyPr>
+            <a:normAutofit/>
+          </a:bodyPr>
+          <a:lstStyle/>
+          <a:p>
+            <a:pPr marL="0" indent="0">
+              <a:buNone/>
+            </a:pPr>
+            <a:r>
+              <a:rPr lang="en-US" dirty="0"/>
+              <a:t>console.log(add(1, 2)); // Output: 3</a:t>
+            </a:r>
+          </a:p>
+          <a:p>
+            <a:pPr marL="0" indent="0">
+              <a:buNone/>
+            </a:pPr>
+            <a:r>
+              <a:rPr lang="en-US" dirty="0"/>
+              <a:t>import { add } from "./math"; // This statement is hoisted to the top of the module</a:t>
+            </a:r>
+          </a:p>
+          <a:p>
+            <a:pPr marL="0" indent="0">
+              <a:buNone/>
+            </a:pPr>
+            <a:endParaRPr lang="en-US" dirty="0"/>
+          </a:p>
+          <a:p>
+            <a:pPr marL="0" indent="0">
+              <a:buNone/>
+            </a:pPr>
+            <a:r>
+              <a:rPr lang="en-US" dirty="0"/>
+              <a:t>if (true) {</a:t>
+            </a:r>
+          </a:p>
+          <a:p>
+            <a:pPr marL="0" indent="0">
+              <a:buNone/>
+            </a:pPr>
+            <a:r>
+              <a:rPr lang="en-US" dirty="0"/>
+              <a:t>  import { subtract } from "./math"; // Error: Cannot use import statement outside a module</a:t>
+            </a:r>
+          </a:p>
+          <a:p>
+            <a:pPr marL="0" indent="0">
+              <a:buNone/>
+            </a:pPr>
+            <a:r>
+              <a:rPr lang="en-US" dirty="0"/>
+              <a:t>  console.log(subtract(3, 2));</a:t>
+            </a:r>
+          </a:p>
+          <a:p>
+            <a:pPr marL="0" indent="0">
+              <a:buNone/>
+            </a:pPr>
+            <a:r>
+              <a:rPr lang="en-US" dirty="0"/>
+              <a:t>}</a:t>
+            </a:r>
+          </a:p>
+          <a:p>
+            <a:endParaRPr lang="en-US" dirty="0"/>
+          </a:p>
+        </p:txBody>
+      </p:sp>
+    </p:spTree>
+    <p:extLst>
+      <p:ext uri="{BB962C8B-B14F-4D97-AF65-F5344CB8AC3E}">
+        <p14:creationId xmlns:p14="http://schemas.microsoft.com/office/powerpoint/2010/main" val="1435170239"/>
+      </p:ext>
+    </p:extLst>
+  </p:cSld>
+  <p:clrMapOvr>
+    <a:masterClrMapping/>
+  </p:clrMapOvr>
+</p:sld>
+</file>
+
+<file path=ppt/slides/slide33.xml><?xml version="1.0" encoding="utf-8"?>
 <p:sld xmlns:a="http://schemas.openxmlformats.org/drawingml/2006/main" xmlns:r="http://schemas.openxmlformats.org/officeDocument/2006/relationships" xmlns:p="http://schemas.openxmlformats.org/presentationml/2006/main">
   <p:cSld>
     <p:spTree>
